--- a/IOTs-CECS-327.pptx
+++ b/IOTs-CECS-327.pptx
@@ -1004,7 +1004,7 @@
   <p:cSld>
     <p:spTree>
       <p:nvGrpSpPr>
-        <p:cNvPr id="81" name="Shape 81"/>
+        <p:cNvPr id="85" name="Shape 85"/>
         <p:cNvGrpSpPr/>
         <p:nvPr/>
       </p:nvGrpSpPr>
@@ -1018,7 +1018,7 @@
       </p:grpSpPr>
       <p:sp>
         <p:nvSpPr>
-          <p:cNvPr id="82" name="Google Shape;82;g3507c88cc3e_0_32:notes"/>
+          <p:cNvPr id="86" name="Google Shape;86;g3507c88cc3e_0_32:notes"/>
           <p:cNvSpPr/>
           <p:nvPr>
             <p:ph idx="2" type="sldImg"/>
@@ -1053,7 +1053,7 @@
       </p:sp>
       <p:sp>
         <p:nvSpPr>
-          <p:cNvPr id="83" name="Google Shape;83;g3507c88cc3e_0_32:notes"/>
+          <p:cNvPr id="87" name="Google Shape;87;g3507c88cc3e_0_32:notes"/>
           <p:cNvSpPr txBox="1"/>
           <p:nvPr>
             <p:ph idx="1" type="body"/>
@@ -1103,7 +1103,7 @@
   <p:cSld>
     <p:spTree>
       <p:nvGrpSpPr>
-        <p:cNvPr id="89" name="Shape 89"/>
+        <p:cNvPr id="93" name="Shape 93"/>
         <p:cNvGrpSpPr/>
         <p:nvPr/>
       </p:nvGrpSpPr>
@@ -1117,7 +1117,7 @@
       </p:grpSpPr>
       <p:sp>
         <p:nvSpPr>
-          <p:cNvPr id="90" name="Google Shape;90;g3507c88cc3e_0_47:notes"/>
+          <p:cNvPr id="94" name="Google Shape;94;g3507c88cc3e_0_47:notes"/>
           <p:cNvSpPr/>
           <p:nvPr>
             <p:ph idx="2" type="sldImg"/>
@@ -1152,7 +1152,7 @@
       </p:sp>
       <p:sp>
         <p:nvSpPr>
-          <p:cNvPr id="91" name="Google Shape;91;g3507c88cc3e_0_47:notes"/>
+          <p:cNvPr id="95" name="Google Shape;95;g3507c88cc3e_0_47:notes"/>
           <p:cNvSpPr txBox="1"/>
           <p:nvPr>
             <p:ph idx="1" type="body"/>
@@ -1202,7 +1202,7 @@
   <p:cSld>
     <p:spTree>
       <p:nvGrpSpPr>
-        <p:cNvPr id="97" name="Shape 97"/>
+        <p:cNvPr id="101" name="Shape 101"/>
         <p:cNvGrpSpPr/>
         <p:nvPr/>
       </p:nvGrpSpPr>
@@ -1216,7 +1216,7 @@
       </p:grpSpPr>
       <p:sp>
         <p:nvSpPr>
-          <p:cNvPr id="98" name="Google Shape;98;g3507c88cc3e_0_41:notes"/>
+          <p:cNvPr id="102" name="Google Shape;102;g3507c88cc3e_0_41:notes"/>
           <p:cNvSpPr/>
           <p:nvPr>
             <p:ph idx="2" type="sldImg"/>
@@ -1251,7 +1251,7 @@
       </p:sp>
       <p:sp>
         <p:nvSpPr>
-          <p:cNvPr id="99" name="Google Shape;99;g3507c88cc3e_0_41:notes"/>
+          <p:cNvPr id="103" name="Google Shape;103;g3507c88cc3e_0_41:notes"/>
           <p:cNvSpPr txBox="1"/>
           <p:nvPr>
             <p:ph idx="1" type="body"/>
@@ -6597,7 +6597,7 @@
         </p:spPr>
         <p:txBody>
           <a:bodyPr anchorCtr="0" anchor="t" bIns="91425" lIns="91425" spcFirstLastPara="1" rIns="91425" wrap="square" tIns="91425">
-            <a:normAutofit/>
+            <a:normAutofit lnSpcReduction="10000"/>
           </a:bodyPr>
           <a:lstStyle/>
           <a:p>
@@ -6613,6 +6613,22 @@
             <a:r>
               <a:rPr lang="es"/>
               <a:t>Peter Van Vooren, Bryan Tineo</a:t>
+            </a:r>
+            <a:endParaRPr/>
+          </a:p>
+          <a:p>
+            <a:pPr indent="0" lvl="0" marL="0" rtl="0" algn="ctr">
+              <a:spcBef>
+                <a:spcPts val="0"/>
+              </a:spcBef>
+              <a:spcAft>
+                <a:spcPts val="0"/>
+              </a:spcAft>
+              <a:buNone/>
+            </a:pPr>
+            <a:r>
+              <a:rPr lang="es"/>
+              <a:t>Group 1</a:t>
             </a:r>
             <a:endParaRPr/>
           </a:p>
@@ -6932,8 +6948,8 @@
         </p:blipFill>
         <p:spPr>
           <a:xfrm>
-            <a:off x="5705200" y="2507492"/>
-            <a:ext cx="3186199" cy="2515420"/>
+            <a:off x="5041900" y="2972515"/>
+            <a:ext cx="2441625" cy="1927576"/>
           </a:xfrm>
           <a:prstGeom prst="rect">
             <a:avLst/>
@@ -6959,7 +6975,7 @@
         </p:blipFill>
         <p:spPr>
           <a:xfrm>
-            <a:off x="1909050" y="433138"/>
+            <a:off x="1901375" y="433138"/>
             <a:ext cx="3599249" cy="1715225"/>
           </a:xfrm>
           <a:prstGeom prst="rect">
@@ -6987,7 +7003,7 @@
         </p:blipFill>
         <p:spPr>
           <a:xfrm>
-            <a:off x="5705200" y="158100"/>
+            <a:off x="5800200" y="96650"/>
             <a:ext cx="3186198" cy="2265301"/>
           </a:xfrm>
           <a:prstGeom prst="rect">
@@ -7237,6 +7253,115 @@
           </a:p>
         </p:txBody>
       </p:sp>
+      <p:pic>
+        <p:nvPicPr>
+          <p:cNvPr id="81" name="Google Shape;81;p15"/>
+          <p:cNvPicPr preferRelativeResize="0"/>
+          <p:nvPr/>
+        </p:nvPicPr>
+        <p:blipFill rotWithShape="1">
+          <a:blip r:embed="rId6">
+            <a:alphaModFix/>
+          </a:blip>
+          <a:srcRect b="0" l="0" r="48594" t="0"/>
+          <a:stretch/>
+        </p:blipFill>
+        <p:spPr>
+          <a:xfrm>
+            <a:off x="7483525" y="2408175"/>
+            <a:ext cx="1454024" cy="871026"/>
+          </a:xfrm>
+          <a:prstGeom prst="rect">
+            <a:avLst/>
+          </a:prstGeom>
+          <a:noFill/>
+          <a:ln>
+            <a:noFill/>
+          </a:ln>
+        </p:spPr>
+      </p:pic>
+      <p:pic>
+        <p:nvPicPr>
+          <p:cNvPr id="82" name="Google Shape;82;p15"/>
+          <p:cNvPicPr preferRelativeResize="0"/>
+          <p:nvPr/>
+        </p:nvPicPr>
+        <p:blipFill>
+          <a:blip r:embed="rId7">
+            <a:alphaModFix/>
+          </a:blip>
+          <a:stretch>
+            <a:fillRect/>
+          </a:stretch>
+        </p:blipFill>
+        <p:spPr>
+          <a:xfrm>
+            <a:off x="5535330" y="2361950"/>
+            <a:ext cx="1713545" cy="610575"/>
+          </a:xfrm>
+          <a:prstGeom prst="rect">
+            <a:avLst/>
+          </a:prstGeom>
+          <a:noFill/>
+          <a:ln>
+            <a:noFill/>
+          </a:ln>
+        </p:spPr>
+      </p:pic>
+      <p:pic>
+        <p:nvPicPr>
+          <p:cNvPr id="83" name="Google Shape;83;p15"/>
+          <p:cNvPicPr preferRelativeResize="0"/>
+          <p:nvPr/>
+        </p:nvPicPr>
+        <p:blipFill rotWithShape="1">
+          <a:blip r:embed="rId8">
+            <a:alphaModFix/>
+          </a:blip>
+          <a:srcRect b="0" l="0" r="54508" t="0"/>
+          <a:stretch/>
+        </p:blipFill>
+        <p:spPr>
+          <a:xfrm>
+            <a:off x="7483525" y="3279200"/>
+            <a:ext cx="1454026" cy="913725"/>
+          </a:xfrm>
+          <a:prstGeom prst="rect">
+            <a:avLst/>
+          </a:prstGeom>
+          <a:noFill/>
+          <a:ln>
+            <a:noFill/>
+          </a:ln>
+        </p:spPr>
+      </p:pic>
+      <p:pic>
+        <p:nvPicPr>
+          <p:cNvPr id="84" name="Google Shape;84;p15"/>
+          <p:cNvPicPr preferRelativeResize="0"/>
+          <p:nvPr/>
+        </p:nvPicPr>
+        <p:blipFill rotWithShape="1">
+          <a:blip r:embed="rId9">
+            <a:alphaModFix/>
+          </a:blip>
+          <a:srcRect b="0" l="0" r="58106" t="0"/>
+          <a:stretch/>
+        </p:blipFill>
+        <p:spPr>
+          <a:xfrm>
+            <a:off x="7483517" y="4192925"/>
+            <a:ext cx="1454024" cy="921844"/>
+          </a:xfrm>
+          <a:prstGeom prst="rect">
+            <a:avLst/>
+          </a:prstGeom>
+          <a:noFill/>
+          <a:ln>
+            <a:noFill/>
+          </a:ln>
+        </p:spPr>
+      </p:pic>
     </p:spTree>
   </p:cSld>
   <p:clrMapOvr>
@@ -7250,7 +7375,7 @@
   <p:cSld>
     <p:spTree>
       <p:nvGrpSpPr>
-        <p:cNvPr id="84" name="Shape 84"/>
+        <p:cNvPr id="88" name="Shape 88"/>
         <p:cNvGrpSpPr/>
         <p:nvPr/>
       </p:nvGrpSpPr>
@@ -7264,7 +7389,7 @@
       </p:grpSpPr>
       <p:sp>
         <p:nvSpPr>
-          <p:cNvPr id="85" name="Google Shape;85;p16"/>
+          <p:cNvPr id="89" name="Google Shape;89;p16"/>
           <p:cNvSpPr txBox="1"/>
           <p:nvPr>
             <p:ph type="title"/>
@@ -7304,7 +7429,7 @@
       </p:sp>
       <p:pic>
         <p:nvPicPr>
-          <p:cNvPr id="86" name="Google Shape;86;p16"/>
+          <p:cNvPr id="90" name="Google Shape;90;p16"/>
           <p:cNvPicPr preferRelativeResize="0"/>
           <p:nvPr/>
         </p:nvPicPr>
@@ -7331,7 +7456,7 @@
       </p:pic>
       <p:pic>
         <p:nvPicPr>
-          <p:cNvPr id="87" name="Google Shape;87;p16"/>
+          <p:cNvPr id="91" name="Google Shape;91;p16"/>
           <p:cNvPicPr preferRelativeResize="0"/>
           <p:nvPr/>
         </p:nvPicPr>
@@ -7358,7 +7483,7 @@
       </p:pic>
       <p:pic>
         <p:nvPicPr>
-          <p:cNvPr id="88" name="Google Shape;88;p16"/>
+          <p:cNvPr id="92" name="Google Shape;92;p16"/>
           <p:cNvPicPr preferRelativeResize="0"/>
           <p:nvPr/>
         </p:nvPicPr>
@@ -7396,7 +7521,7 @@
   <p:cSld>
     <p:spTree>
       <p:nvGrpSpPr>
-        <p:cNvPr id="92" name="Shape 92"/>
+        <p:cNvPr id="96" name="Shape 96"/>
         <p:cNvGrpSpPr/>
         <p:nvPr/>
       </p:nvGrpSpPr>
@@ -7410,7 +7535,7 @@
       </p:grpSpPr>
       <p:sp>
         <p:nvSpPr>
-          <p:cNvPr id="93" name="Google Shape;93;p17"/>
+          <p:cNvPr id="97" name="Google Shape;97;p17"/>
           <p:cNvSpPr txBox="1"/>
           <p:nvPr>
             <p:ph type="title"/>
@@ -7450,7 +7575,7 @@
       </p:sp>
       <p:sp>
         <p:nvSpPr>
-          <p:cNvPr id="94" name="Google Shape;94;p17"/>
+          <p:cNvPr id="98" name="Google Shape;98;p17"/>
           <p:cNvSpPr txBox="1"/>
           <p:nvPr>
             <p:ph idx="1" type="body"/>
@@ -7547,6 +7672,23 @@
             <a:endParaRPr/>
           </a:p>
           <a:p>
+            <a:pPr indent="-317500" lvl="0" marL="457200" rtl="0" algn="l">
+              <a:spcBef>
+                <a:spcPts val="0"/>
+              </a:spcBef>
+              <a:spcAft>
+                <a:spcPts val="0"/>
+              </a:spcAft>
+              <a:buSzPts val="1400"/>
+              <a:buChar char="-"/>
+            </a:pPr>
+            <a:r>
+              <a:rPr lang="es"/>
+              <a:t>Structuring into key value pairs the data for faster retrieval of Average moisture</a:t>
+            </a:r>
+            <a:endParaRPr/>
+          </a:p>
+          <a:p>
             <a:pPr indent="0" lvl="0" marL="0" rtl="0" algn="l">
               <a:spcBef>
                 <a:spcPts val="1200"/>
@@ -7565,7 +7707,7 @@
       </p:sp>
       <p:pic>
         <p:nvPicPr>
-          <p:cNvPr id="95" name="Google Shape;95;p17"/>
+          <p:cNvPr id="99" name="Google Shape;99;p17"/>
           <p:cNvPicPr preferRelativeResize="0"/>
           <p:nvPr/>
         </p:nvPicPr>
@@ -7593,7 +7735,7 @@
       </p:pic>
       <p:pic>
         <p:nvPicPr>
-          <p:cNvPr id="96" name="Google Shape;96;p17"/>
+          <p:cNvPr id="100" name="Google Shape;100;p17"/>
           <p:cNvPicPr preferRelativeResize="0"/>
           <p:nvPr/>
         </p:nvPicPr>
@@ -7632,7 +7774,7 @@
   <p:cSld>
     <p:spTree>
       <p:nvGrpSpPr>
-        <p:cNvPr id="100" name="Shape 100"/>
+        <p:cNvPr id="104" name="Shape 104"/>
         <p:cNvGrpSpPr/>
         <p:nvPr/>
       </p:nvGrpSpPr>
@@ -7646,7 +7788,7 @@
       </p:grpSpPr>
       <p:sp>
         <p:nvSpPr>
-          <p:cNvPr id="101" name="Google Shape;101;p18"/>
+          <p:cNvPr id="105" name="Google Shape;105;p18"/>
           <p:cNvSpPr txBox="1"/>
           <p:nvPr>
             <p:ph type="title"/>
@@ -7686,7 +7828,7 @@
       </p:sp>
       <p:sp>
         <p:nvSpPr>
-          <p:cNvPr id="102" name="Google Shape;102;p18"/>
+          <p:cNvPr id="106" name="Google Shape;106;p18"/>
           <p:cNvSpPr txBox="1"/>
           <p:nvPr>
             <p:ph idx="4294967295" type="body"/>
@@ -7878,7 +8020,7 @@
       </p:sp>
       <p:pic>
         <p:nvPicPr>
-          <p:cNvPr id="103" name="Google Shape;103;p18"/>
+          <p:cNvPr id="107" name="Google Shape;107;p18"/>
           <p:cNvPicPr preferRelativeResize="0"/>
           <p:nvPr/>
         </p:nvPicPr>
@@ -7905,7 +8047,7 @@
       </p:pic>
       <p:pic>
         <p:nvPicPr>
-          <p:cNvPr id="104" name="Google Shape;104;p18"/>
+          <p:cNvPr id="108" name="Google Shape;108;p18"/>
           <p:cNvPicPr preferRelativeResize="0"/>
           <p:nvPr/>
         </p:nvPicPr>
